--- a/Project3-WebScraping/FrankWang/webscrapying_frankwang.pptx
+++ b/Project3-WebScraping/FrankWang/webscrapying_frankwang.pptx
@@ -6,19 +6,20 @@
   </p:sldMasterIdLst>
   <p:sldIdLst>
     <p:sldId id="256" r:id="rId2"/>
-    <p:sldId id="266" r:id="rId3"/>
-    <p:sldId id="267" r:id="rId4"/>
+    <p:sldId id="267" r:id="rId3"/>
+    <p:sldId id="266" r:id="rId4"/>
     <p:sldId id="268" r:id="rId5"/>
     <p:sldId id="265" r:id="rId6"/>
     <p:sldId id="269" r:id="rId7"/>
     <p:sldId id="264" r:id="rId8"/>
     <p:sldId id="270" r:id="rId9"/>
     <p:sldId id="271" r:id="rId10"/>
-    <p:sldId id="257" r:id="rId11"/>
-    <p:sldId id="277" r:id="rId12"/>
-    <p:sldId id="262" r:id="rId13"/>
-    <p:sldId id="273" r:id="rId14"/>
-    <p:sldId id="274" r:id="rId15"/>
+    <p:sldId id="278" r:id="rId11"/>
+    <p:sldId id="257" r:id="rId12"/>
+    <p:sldId id="277" r:id="rId13"/>
+    <p:sldId id="262" r:id="rId14"/>
+    <p:sldId id="273" r:id="rId15"/>
+    <p:sldId id="274" r:id="rId16"/>
   </p:sldIdLst>
   <p:sldSz cx="12192000" cy="6858000"/>
   <p:notesSz cx="6858000" cy="9144000"/>
@@ -117,6 +118,11 @@
       </a:defRPr>
     </a:lvl9pPr>
   </p:defaultTextStyle>
+  <p:extLst>
+    <p:ext uri="{EFAFB233-063F-42B5-8137-9DF3F51BA10A}">
+      <p15:sldGuideLst xmlns:p15="http://schemas.microsoft.com/office/powerpoint/2012/main"/>
+    </p:ext>
+  </p:extLst>
 </p:presentation>
 </file>
 
@@ -308,7 +314,7 @@
           <a:p>
             <a:fld id="{55C9B6A7-4C31-4691-9CA0-5D12244B43FF}" type="datetimeFigureOut">
               <a:rPr lang="en-US" smtClean="0"/>
-              <a:t>5/21/2016</a:t>
+              <a:t>5/25/2016</a:t>
             </a:fld>
             <a:endParaRPr lang="en-US"/>
           </a:p>
@@ -646,7 +652,7 @@
           <a:p>
             <a:fld id="{55C9B6A7-4C31-4691-9CA0-5D12244B43FF}" type="datetimeFigureOut">
               <a:rPr lang="en-US" smtClean="0"/>
-              <a:t>5/21/2016</a:t>
+              <a:t>5/25/2016</a:t>
             </a:fld>
             <a:endParaRPr lang="en-US"/>
           </a:p>
@@ -1047,7 +1053,7 @@
           <a:p>
             <a:fld id="{55C9B6A7-4C31-4691-9CA0-5D12244B43FF}" type="datetimeFigureOut">
               <a:rPr lang="en-US" smtClean="0"/>
-              <a:t>5/21/2016</a:t>
+              <a:t>5/25/2016</a:t>
             </a:fld>
             <a:endParaRPr lang="en-US"/>
           </a:p>
@@ -1383,7 +1389,7 @@
           <a:p>
             <a:fld id="{55C9B6A7-4C31-4691-9CA0-5D12244B43FF}" type="datetimeFigureOut">
               <a:rPr lang="en-US" smtClean="0"/>
-              <a:t>5/21/2016</a:t>
+              <a:t>5/25/2016</a:t>
             </a:fld>
             <a:endParaRPr lang="en-US"/>
           </a:p>
@@ -1703,7 +1709,7 @@
           <a:p>
             <a:fld id="{55C9B6A7-4C31-4691-9CA0-5D12244B43FF}" type="datetimeFigureOut">
               <a:rPr lang="en-US" smtClean="0"/>
-              <a:t>5/21/2016</a:t>
+              <a:t>5/25/2016</a:t>
             </a:fld>
             <a:endParaRPr lang="en-US"/>
           </a:p>
@@ -2099,7 +2105,7 @@
           <a:p>
             <a:fld id="{55C9B6A7-4C31-4691-9CA0-5D12244B43FF}" type="datetimeFigureOut">
               <a:rPr lang="en-US" smtClean="0"/>
-              <a:t>5/21/2016</a:t>
+              <a:t>5/25/2016</a:t>
             </a:fld>
             <a:endParaRPr lang="en-US"/>
           </a:p>
@@ -2356,7 +2362,7 @@
           <a:p>
             <a:fld id="{55C9B6A7-4C31-4691-9CA0-5D12244B43FF}" type="datetimeFigureOut">
               <a:rPr lang="en-US" smtClean="0"/>
-              <a:t>5/21/2016</a:t>
+              <a:t>5/25/2016</a:t>
             </a:fld>
             <a:endParaRPr lang="en-US"/>
           </a:p>
@@ -2618,7 +2624,7 @@
           <a:p>
             <a:fld id="{55C9B6A7-4C31-4691-9CA0-5D12244B43FF}" type="datetimeFigureOut">
               <a:rPr lang="en-US" smtClean="0"/>
-              <a:t>5/21/2016</a:t>
+              <a:t>5/25/2016</a:t>
             </a:fld>
             <a:endParaRPr lang="en-US"/>
           </a:p>
@@ -2880,7 +2886,7 @@
           <a:p>
             <a:fld id="{55C9B6A7-4C31-4691-9CA0-5D12244B43FF}" type="datetimeFigureOut">
               <a:rPr lang="en-US" smtClean="0"/>
-              <a:t>5/21/2016</a:t>
+              <a:t>5/25/2016</a:t>
             </a:fld>
             <a:endParaRPr lang="en-US"/>
           </a:p>
@@ -3209,7 +3215,7 @@
           <a:p>
             <a:fld id="{55C9B6A7-4C31-4691-9CA0-5D12244B43FF}" type="datetimeFigureOut">
               <a:rPr lang="en-US" smtClean="0"/>
-              <a:t>5/21/2016</a:t>
+              <a:t>5/25/2016</a:t>
             </a:fld>
             <a:endParaRPr lang="en-US"/>
           </a:p>
@@ -3532,7 +3538,7 @@
           <a:p>
             <a:fld id="{55C9B6A7-4C31-4691-9CA0-5D12244B43FF}" type="datetimeFigureOut">
               <a:rPr lang="en-US" smtClean="0"/>
-              <a:t>5/21/2016</a:t>
+              <a:t>5/25/2016</a:t>
             </a:fld>
             <a:endParaRPr lang="en-US"/>
           </a:p>
@@ -3989,7 +3995,7 @@
           <a:p>
             <a:fld id="{55C9B6A7-4C31-4691-9CA0-5D12244B43FF}" type="datetimeFigureOut">
               <a:rPr lang="en-US" smtClean="0"/>
-              <a:t>5/21/2016</a:t>
+              <a:t>5/25/2016</a:t>
             </a:fld>
             <a:endParaRPr lang="en-US"/>
           </a:p>
@@ -4194,7 +4200,7 @@
           <a:p>
             <a:fld id="{55C9B6A7-4C31-4691-9CA0-5D12244B43FF}" type="datetimeFigureOut">
               <a:rPr lang="en-US" smtClean="0"/>
-              <a:t>5/21/2016</a:t>
+              <a:t>5/25/2016</a:t>
             </a:fld>
             <a:endParaRPr lang="en-US"/>
           </a:p>
@@ -4371,7 +4377,7 @@
           <a:p>
             <a:fld id="{55C9B6A7-4C31-4691-9CA0-5D12244B43FF}" type="datetimeFigureOut">
               <a:rPr lang="en-US" smtClean="0"/>
-              <a:t>5/21/2016</a:t>
+              <a:t>5/25/2016</a:t>
             </a:fld>
             <a:endParaRPr lang="en-US"/>
           </a:p>
@@ -4704,7 +4710,7 @@
           <a:p>
             <a:fld id="{55C9B6A7-4C31-4691-9CA0-5D12244B43FF}" type="datetimeFigureOut">
               <a:rPr lang="en-US" smtClean="0"/>
-              <a:t>5/21/2016</a:t>
+              <a:t>5/25/2016</a:t>
             </a:fld>
             <a:endParaRPr lang="en-US"/>
           </a:p>
@@ -5049,7 +5055,7 @@
           <a:p>
             <a:fld id="{55C9B6A7-4C31-4691-9CA0-5D12244B43FF}" type="datetimeFigureOut">
               <a:rPr lang="en-US" smtClean="0"/>
-              <a:t>5/21/2016</a:t>
+              <a:t>5/25/2016</a:t>
             </a:fld>
             <a:endParaRPr lang="en-US"/>
           </a:p>
@@ -7166,7 +7172,7 @@
           <a:p>
             <a:fld id="{55C9B6A7-4C31-4691-9CA0-5D12244B43FF}" type="datetimeFigureOut">
               <a:rPr lang="en-US" smtClean="0"/>
-              <a:t>5/21/2016</a:t>
+              <a:t>5/25/2016</a:t>
             </a:fld>
             <a:endParaRPr lang="en-US"/>
           </a:p>
@@ -7752,24 +7758,17 @@
                 <a:latin typeface="Times New Roman" panose="02020603050405020304" pitchFamily="18" charset="0"/>
                 <a:cs typeface="Times New Roman" panose="02020603050405020304" pitchFamily="18" charset="0"/>
               </a:rPr>
-              <a:t>Sentiment Analysis </a:t>
-            </a:r>
-            <a:r>
-              <a:rPr lang="en-US" dirty="0" smtClean="0">
-                <a:latin typeface="Times New Roman" panose="02020603050405020304" pitchFamily="18" charset="0"/>
-                <a:cs typeface="Times New Roman" panose="02020603050405020304" pitchFamily="18" charset="0"/>
-              </a:rPr>
-              <a:t>and </a:t>
+              <a:t>Sentiment </a:t>
             </a:r>
             <a:r>
               <a:rPr lang="en-US" dirty="0" smtClean="0">
                 <a:solidFill>
-                  <a:srgbClr val="7030A0"/>
+                  <a:srgbClr val="FF0000"/>
                 </a:solidFill>
                 <a:latin typeface="Times New Roman" panose="02020603050405020304" pitchFamily="18" charset="0"/>
                 <a:cs typeface="Times New Roman" panose="02020603050405020304" pitchFamily="18" charset="0"/>
               </a:rPr>
-              <a:t>ML prediction</a:t>
+              <a:t>Analysis</a:t>
             </a:r>
             <a:endParaRPr lang="en-US" dirty="0">
               <a:solidFill>
@@ -7875,53 +7874,19 @@
           <a:bodyPr/>
           <a:lstStyle/>
           <a:p>
-            <a:r>
-              <a:rPr lang="en-US" dirty="0">
-                <a:latin typeface="Times New Roman" panose="02020603050405020304" pitchFamily="18" charset="0"/>
-                <a:cs typeface="Times New Roman" panose="02020603050405020304" pitchFamily="18" charset="0"/>
-              </a:rPr>
-              <a:t>S</a:t>
-            </a:r>
-            <a:r>
-              <a:rPr lang="en-US" dirty="0" smtClean="0">
-                <a:latin typeface="Times New Roman" panose="02020603050405020304" pitchFamily="18" charset="0"/>
-                <a:cs typeface="Times New Roman" panose="02020603050405020304" pitchFamily="18" charset="0"/>
-              </a:rPr>
-              <a:t>mall number of dataset</a:t>
-            </a:r>
-            <a:endParaRPr lang="en-US" dirty="0">
-              <a:latin typeface="Times New Roman" panose="02020603050405020304" pitchFamily="18" charset="0"/>
-              <a:cs typeface="Times New Roman" panose="02020603050405020304" pitchFamily="18" charset="0"/>
-            </a:endParaRPr>
-          </a:p>
-        </p:txBody>
-      </p:sp>
-      <p:sp>
-        <p:nvSpPr>
-          <p:cNvPr id="4" name="Content Placeholder 3"/>
-          <p:cNvSpPr>
-            <a:spLocks noGrp="1"/>
-          </p:cNvSpPr>
-          <p:nvPr>
-            <p:ph idx="1"/>
-          </p:nvPr>
-        </p:nvSpPr>
-        <p:spPr/>
-        <p:txBody>
-          <a:bodyPr/>
-          <a:lstStyle/>
-          <a:p>
-            <a:endParaRPr lang="en-US" dirty="0"/>
+            <a:endParaRPr lang="en-US"/>
           </a:p>
         </p:txBody>
       </p:sp>
       <p:pic>
         <p:nvPicPr>
-          <p:cNvPr id="5" name="Picture 4"/>
+          <p:cNvPr id="4" name="Content Placeholder 3"/>
           <p:cNvPicPr>
-            <a:picLocks noChangeAspect="1"/>
+            <a:picLocks noGrp="1" noChangeAspect="1"/>
           </p:cNvPicPr>
-          <p:nvPr/>
+          <p:nvPr>
+            <p:ph idx="1"/>
+          </p:nvPr>
         </p:nvPicPr>
         <p:blipFill>
           <a:blip r:embed="rId2"/>
@@ -7931,8 +7896,8 @@
         </p:blipFill>
         <p:spPr>
           <a:xfrm>
-            <a:off x="2516777" y="1515591"/>
-            <a:ext cx="8299954" cy="5013640"/>
+            <a:off x="2020340" y="1828801"/>
+            <a:ext cx="9078454" cy="4645572"/>
           </a:xfrm>
           <a:prstGeom prst="rect">
             <a:avLst/>
@@ -7942,7 +7907,7 @@
     </p:spTree>
     <p:extLst>
       <p:ext uri="{BB962C8B-B14F-4D97-AF65-F5344CB8AC3E}">
-        <p14:creationId xmlns:p14="http://schemas.microsoft.com/office/powerpoint/2010/main" val="192582178"/>
+        <p14:creationId xmlns:p14="http://schemas.microsoft.com/office/powerpoint/2010/main" val="3149667703"/>
       </p:ext>
     </p:extLst>
   </p:cSld>
@@ -7978,7 +7943,43 @@
       </p:grpSpPr>
       <p:sp>
         <p:nvSpPr>
-          <p:cNvPr id="3" name="Content Placeholder 2"/>
+          <p:cNvPr id="2" name="Title 1"/>
+          <p:cNvSpPr>
+            <a:spLocks noGrp="1"/>
+          </p:cNvSpPr>
+          <p:nvPr>
+            <p:ph type="title"/>
+          </p:nvPr>
+        </p:nvSpPr>
+        <p:spPr/>
+        <p:txBody>
+          <a:bodyPr/>
+          <a:lstStyle/>
+          <a:p>
+            <a:r>
+              <a:rPr lang="en-US" dirty="0">
+                <a:latin typeface="Times New Roman" panose="02020603050405020304" pitchFamily="18" charset="0"/>
+                <a:cs typeface="Times New Roman" panose="02020603050405020304" pitchFamily="18" charset="0"/>
+              </a:rPr>
+              <a:t>S</a:t>
+            </a:r>
+            <a:r>
+              <a:rPr lang="en-US" dirty="0" smtClean="0">
+                <a:latin typeface="Times New Roman" panose="02020603050405020304" pitchFamily="18" charset="0"/>
+                <a:cs typeface="Times New Roman" panose="02020603050405020304" pitchFamily="18" charset="0"/>
+              </a:rPr>
+              <a:t>mall number of dataset</a:t>
+            </a:r>
+            <a:endParaRPr lang="en-US" dirty="0">
+              <a:latin typeface="Times New Roman" panose="02020603050405020304" pitchFamily="18" charset="0"/>
+              <a:cs typeface="Times New Roman" panose="02020603050405020304" pitchFamily="18" charset="0"/>
+            </a:endParaRPr>
+          </a:p>
+        </p:txBody>
+      </p:sp>
+      <p:sp>
+        <p:nvSpPr>
+          <p:cNvPr id="4" name="Content Placeholder 3"/>
           <p:cNvSpPr>
             <a:spLocks noGrp="1"/>
           </p:cNvSpPr>
@@ -7986,97 +7987,43 @@
             <p:ph idx="1"/>
           </p:nvPr>
         </p:nvSpPr>
+        <p:spPr/>
+        <p:txBody>
+          <a:bodyPr/>
+          <a:lstStyle/>
+          <a:p>
+            <a:endParaRPr lang="en-US" dirty="0"/>
+          </a:p>
+        </p:txBody>
+      </p:sp>
+      <p:pic>
+        <p:nvPicPr>
+          <p:cNvPr id="5" name="Picture 4"/>
+          <p:cNvPicPr>
+            <a:picLocks noChangeAspect="1"/>
+          </p:cNvPicPr>
+          <p:nvPr/>
+        </p:nvPicPr>
+        <p:blipFill>
+          <a:blip r:embed="rId2"/>
+          <a:stretch>
+            <a:fillRect/>
+          </a:stretch>
+        </p:blipFill>
         <p:spPr>
           <a:xfrm>
-            <a:off x="374468" y="0"/>
-            <a:ext cx="11399519" cy="5846036"/>
-          </a:xfrm>
-        </p:spPr>
-        <p:txBody>
-          <a:bodyPr>
-            <a:noAutofit/>
-          </a:bodyPr>
-          <a:lstStyle/>
-          <a:p>
-            <a:r>
-              <a:rPr lang="en-US" sz="2000" dirty="0" smtClean="0"/>
-              <a:t>Really disappointed to our dining experience tonight. Thursday night, 6:30PM for 2 </a:t>
-            </a:r>
-            <a:r>
-              <a:rPr lang="en-US" sz="2000" dirty="0" err="1" smtClean="0"/>
-              <a:t>people.We</a:t>
-            </a:r>
-            <a:r>
-              <a:rPr lang="en-US" sz="2000" dirty="0" smtClean="0"/>
-              <a:t> made reservation 1 month earlier for the birthday dinner.---Environment---*Dining </a:t>
-            </a:r>
-            <a:r>
-              <a:rPr lang="en-US" sz="2000" dirty="0" err="1" smtClean="0"/>
-              <a:t>area:The</a:t>
-            </a:r>
-            <a:r>
-              <a:rPr lang="en-US" sz="2000" dirty="0" smtClean="0"/>
-              <a:t> decoration and ambiance of main area was beautiful and great, HOWEVER,  they sat us in the back bar area, which was a passage between ABC Kitchen, ABC </a:t>
-            </a:r>
-            <a:r>
-              <a:rPr lang="en-US" sz="2000" dirty="0" err="1" smtClean="0"/>
-              <a:t>Cocina</a:t>
-            </a:r>
-            <a:r>
-              <a:rPr lang="en-US" sz="2000" dirty="0" smtClean="0"/>
-              <a:t>, and </a:t>
-            </a:r>
-            <a:r>
-              <a:rPr lang="en-US" sz="2000" dirty="0" err="1" smtClean="0"/>
-              <a:t>abcmkt</a:t>
-            </a:r>
-            <a:r>
-              <a:rPr lang="en-US" sz="2000" dirty="0" smtClean="0"/>
-              <a:t>. It had no decoration at all. While we ate, some people were walking on the stairs above us (we were eating under the edge of stairs. I felt some dust were falling into our dishes from it...). The customers of </a:t>
-            </a:r>
-            <a:r>
-              <a:rPr lang="en-US" sz="2000" dirty="0" err="1" smtClean="0"/>
-              <a:t>abcmkt</a:t>
-            </a:r>
-            <a:r>
-              <a:rPr lang="en-US" sz="2000" dirty="0" smtClean="0"/>
-              <a:t> also randomly walked to our area and peaked into our dishes. I felt really uncomfortable about it. I understand they didn't want to waste the space and put more tables to make money, but they should probably make it only for the bar guests, not the customers who have the full dinner.*----------.*Sundae: good idea to put salted caramel ice cream and popcorn together. It was tasty but it got very sweet at the end. The portion was big, so it's ideal to share it between 2-3 people.---Service---The staff were friendly. However, they were not attentive. It might be a busy night, so our waiter disappeared for a while time to time when we needed him. We waited for 20 mins to order dessert and 30 mins to get the bill. Some of the serving ways were also odd. Most of our dishes were dropped without any words. </a:t>
-            </a:r>
-            <a:r>
-              <a:rPr lang="en-US" sz="3600" b="1" dirty="0" smtClean="0">
-                <a:solidFill>
-                  <a:srgbClr val="FF0000"/>
-                </a:solidFill>
-              </a:rPr>
-              <a:t>No greeting </a:t>
-            </a:r>
-            <a:r>
-              <a:rPr lang="en-US" sz="2000" dirty="0" smtClean="0"/>
-              <a:t>(we were still in the middle of conversation), no explaining, no "bon </a:t>
-            </a:r>
-            <a:r>
-              <a:rPr lang="en-US" sz="2000" dirty="0" err="1" smtClean="0"/>
-              <a:t>appetit</a:t>
-            </a:r>
-            <a:r>
-              <a:rPr lang="en-US" sz="2000" dirty="0" smtClean="0"/>
-              <a:t>". They just came and left like we were air...If you ask questions, they would answer politely. But it was really </a:t>
-            </a:r>
-            <a:r>
-              <a:rPr lang="en-US" sz="2000" dirty="0" err="1" smtClean="0"/>
-              <a:t>awkward.I've</a:t>
-            </a:r>
-            <a:r>
-              <a:rPr lang="en-US" sz="2000" dirty="0" smtClean="0"/>
-              <a:t> been to many high-end or Michelin starred restaurants. By the dining experience tonight, I don't think ABC Kitchen deserved Michelin 3 stars. Foods were good but not excellent, and the service, back bar area, and bathroom were not on the level. Overall, it was a disappointment.</a:t>
-            </a:r>
-          </a:p>
-        </p:txBody>
-      </p:sp>
+            <a:off x="2516777" y="1515591"/>
+            <a:ext cx="8299954" cy="5013640"/>
+          </a:xfrm>
+          <a:prstGeom prst="rect">
+            <a:avLst/>
+          </a:prstGeom>
+        </p:spPr>
+      </p:pic>
     </p:spTree>
     <p:extLst>
       <p:ext uri="{BB962C8B-B14F-4D97-AF65-F5344CB8AC3E}">
-        <p14:creationId xmlns:p14="http://schemas.microsoft.com/office/powerpoint/2010/main" val="1049301304"/>
+        <p14:creationId xmlns:p14="http://schemas.microsoft.com/office/powerpoint/2010/main" val="192582178"/>
       </p:ext>
     </p:extLst>
   </p:cSld>
@@ -8112,25 +8059,6 @@
       </p:grpSpPr>
       <p:sp>
         <p:nvSpPr>
-          <p:cNvPr id="2" name="Title 1"/>
-          <p:cNvSpPr>
-            <a:spLocks noGrp="1"/>
-          </p:cNvSpPr>
-          <p:nvPr>
-            <p:ph type="title"/>
-          </p:nvPr>
-        </p:nvSpPr>
-        <p:spPr/>
-        <p:txBody>
-          <a:bodyPr/>
-          <a:lstStyle/>
-          <a:p>
-            <a:endParaRPr lang="en-US" dirty="0"/>
-          </a:p>
-        </p:txBody>
-      </p:sp>
-      <p:sp>
-        <p:nvSpPr>
           <p:cNvPr id="3" name="Content Placeholder 2"/>
           <p:cNvSpPr>
             <a:spLocks noGrp="1"/>
@@ -8139,43 +8067,97 @@
             <p:ph idx="1"/>
           </p:nvPr>
         </p:nvSpPr>
-        <p:spPr/>
-        <p:txBody>
-          <a:bodyPr/>
-          <a:lstStyle/>
-          <a:p>
-            <a:endParaRPr lang="en-US" dirty="0"/>
-          </a:p>
-        </p:txBody>
-      </p:sp>
-      <p:pic>
-        <p:nvPicPr>
-          <p:cNvPr id="4" name="Picture 3"/>
-          <p:cNvPicPr>
-            <a:picLocks noChangeAspect="1"/>
-          </p:cNvPicPr>
-          <p:nvPr/>
-        </p:nvPicPr>
-        <p:blipFill>
-          <a:blip r:embed="rId2"/>
-          <a:stretch>
-            <a:fillRect/>
-          </a:stretch>
-        </p:blipFill>
         <p:spPr>
           <a:xfrm>
-            <a:off x="907776" y="513172"/>
-            <a:ext cx="10076590" cy="6211144"/>
-          </a:xfrm>
-          <a:prstGeom prst="rect">
-            <a:avLst/>
-          </a:prstGeom>
-        </p:spPr>
-      </p:pic>
+            <a:off x="374468" y="0"/>
+            <a:ext cx="11399519" cy="5846036"/>
+          </a:xfrm>
+        </p:spPr>
+        <p:txBody>
+          <a:bodyPr>
+            <a:noAutofit/>
+          </a:bodyPr>
+          <a:lstStyle/>
+          <a:p>
+            <a:r>
+              <a:rPr lang="en-US" sz="2000" dirty="0" smtClean="0"/>
+              <a:t>Really disappointed to our dining experience tonight. Thursday night, 6:30PM for 2 </a:t>
+            </a:r>
+            <a:r>
+              <a:rPr lang="en-US" sz="2000" dirty="0" err="1" smtClean="0"/>
+              <a:t>people.We</a:t>
+            </a:r>
+            <a:r>
+              <a:rPr lang="en-US" sz="2000" dirty="0" smtClean="0"/>
+              <a:t> made reservation 1 month earlier for the birthday dinner.---Environment---*Dining </a:t>
+            </a:r>
+            <a:r>
+              <a:rPr lang="en-US" sz="2000" dirty="0" err="1" smtClean="0"/>
+              <a:t>area:The</a:t>
+            </a:r>
+            <a:r>
+              <a:rPr lang="en-US" sz="2000" dirty="0" smtClean="0"/>
+              <a:t> decoration and ambiance of main area was beautiful and great, HOWEVER,  they sat us in the back bar area, which was a passage between ABC Kitchen, ABC </a:t>
+            </a:r>
+            <a:r>
+              <a:rPr lang="en-US" sz="2000" dirty="0" err="1" smtClean="0"/>
+              <a:t>Cocina</a:t>
+            </a:r>
+            <a:r>
+              <a:rPr lang="en-US" sz="2000" dirty="0" smtClean="0"/>
+              <a:t>, and </a:t>
+            </a:r>
+            <a:r>
+              <a:rPr lang="en-US" sz="2000" dirty="0" err="1" smtClean="0"/>
+              <a:t>abcmkt</a:t>
+            </a:r>
+            <a:r>
+              <a:rPr lang="en-US" sz="2000" dirty="0" smtClean="0"/>
+              <a:t>. It had no decoration at all. While we ate, some people were walking on the stairs above us (we were eating under the edge of stairs. I felt some dust were falling into our dishes from it...). The customers of </a:t>
+            </a:r>
+            <a:r>
+              <a:rPr lang="en-US" sz="2000" dirty="0" err="1" smtClean="0"/>
+              <a:t>abcmkt</a:t>
+            </a:r>
+            <a:r>
+              <a:rPr lang="en-US" sz="2000" dirty="0" smtClean="0"/>
+              <a:t> also randomly walked to our area and peaked into our dishes. I felt really uncomfortable about it. I understand they didn't want to waste the space and put more tables to make money, but they should probably make it only for the bar guests, not the customers who have the full dinner.*----------.*Sundae: good idea to put salted caramel ice cream and popcorn together. It was tasty but it got very sweet at the end. The portion was big, so it's ideal to share it between 2-3 people.---Service---The staff were friendly. However, they were not attentive. It might be a busy night, so our waiter disappeared for a while time to time when we needed him. We waited for 20 mins to order dessert and 30 mins to get the bill. Some of the serving ways were also odd. Most of our dishes were dropped without any words. </a:t>
+            </a:r>
+            <a:r>
+              <a:rPr lang="en-US" sz="3600" b="1" dirty="0" smtClean="0">
+                <a:solidFill>
+                  <a:srgbClr val="FF0000"/>
+                </a:solidFill>
+              </a:rPr>
+              <a:t>No greeting </a:t>
+            </a:r>
+            <a:r>
+              <a:rPr lang="en-US" sz="2000" dirty="0" smtClean="0"/>
+              <a:t>(we were still in the middle of conversation), no explaining, no "bon </a:t>
+            </a:r>
+            <a:r>
+              <a:rPr lang="en-US" sz="2000" dirty="0" err="1" smtClean="0"/>
+              <a:t>appetit</a:t>
+            </a:r>
+            <a:r>
+              <a:rPr lang="en-US" sz="2000" dirty="0" smtClean="0"/>
+              <a:t>". They just came and left like we were air...If you ask questions, they would answer politely. But it was really </a:t>
+            </a:r>
+            <a:r>
+              <a:rPr lang="en-US" sz="2000" dirty="0" err="1" smtClean="0"/>
+              <a:t>awkward.I've</a:t>
+            </a:r>
+            <a:r>
+              <a:rPr lang="en-US" sz="2000" dirty="0" smtClean="0"/>
+              <a:t> been to many high-end or Michelin starred restaurants. By the dining experience tonight, I don't think ABC Kitchen deserved Michelin 3 stars. Foods were good but not excellent, and the service, back bar area, and bathroom were not on the level. Overall, it was a disappointment.</a:t>
+            </a:r>
+          </a:p>
+        </p:txBody>
+      </p:sp>
     </p:spTree>
     <p:extLst>
       <p:ext uri="{BB962C8B-B14F-4D97-AF65-F5344CB8AC3E}">
-        <p14:creationId xmlns:p14="http://schemas.microsoft.com/office/powerpoint/2010/main" val="412823015"/>
+        <p14:creationId xmlns:p14="http://schemas.microsoft.com/office/powerpoint/2010/main" val="1049301304"/>
       </p:ext>
     </p:extLst>
   </p:cSld>
@@ -8224,7 +8206,7 @@
           <a:bodyPr/>
           <a:lstStyle/>
           <a:p>
-            <a:endParaRPr lang="en-US"/>
+            <a:endParaRPr lang="en-US" dirty="0"/>
           </a:p>
         </p:txBody>
       </p:sp>
@@ -8243,7 +8225,7 @@
           <a:bodyPr/>
           <a:lstStyle/>
           <a:p>
-            <a:endParaRPr lang="en-US"/>
+            <a:endParaRPr lang="en-US" dirty="0"/>
           </a:p>
         </p:txBody>
       </p:sp>
@@ -8263,8 +8245,8 @@
         </p:blipFill>
         <p:spPr>
           <a:xfrm>
-            <a:off x="254726" y="82310"/>
-            <a:ext cx="11345091" cy="6467371"/>
+            <a:off x="907776" y="513172"/>
+            <a:ext cx="10076590" cy="6211144"/>
           </a:xfrm>
           <a:prstGeom prst="rect">
             <a:avLst/>
@@ -8274,7 +8256,7 @@
     </p:spTree>
     <p:extLst>
       <p:ext uri="{BB962C8B-B14F-4D97-AF65-F5344CB8AC3E}">
-        <p14:creationId xmlns:p14="http://schemas.microsoft.com/office/powerpoint/2010/main" val="49859706"/>
+        <p14:creationId xmlns:p14="http://schemas.microsoft.com/office/powerpoint/2010/main" val="412823015"/>
       </p:ext>
     </p:extLst>
   </p:cSld>
@@ -8323,6 +8305,105 @@
           <a:bodyPr/>
           <a:lstStyle/>
           <a:p>
+            <a:endParaRPr lang="en-US"/>
+          </a:p>
+        </p:txBody>
+      </p:sp>
+      <p:sp>
+        <p:nvSpPr>
+          <p:cNvPr id="3" name="Content Placeholder 2"/>
+          <p:cNvSpPr>
+            <a:spLocks noGrp="1"/>
+          </p:cNvSpPr>
+          <p:nvPr>
+            <p:ph idx="1"/>
+          </p:nvPr>
+        </p:nvSpPr>
+        <p:spPr/>
+        <p:txBody>
+          <a:bodyPr/>
+          <a:lstStyle/>
+          <a:p>
+            <a:endParaRPr lang="en-US"/>
+          </a:p>
+        </p:txBody>
+      </p:sp>
+      <p:pic>
+        <p:nvPicPr>
+          <p:cNvPr id="4" name="Picture 3"/>
+          <p:cNvPicPr>
+            <a:picLocks noChangeAspect="1"/>
+          </p:cNvPicPr>
+          <p:nvPr/>
+        </p:nvPicPr>
+        <p:blipFill>
+          <a:blip r:embed="rId2"/>
+          <a:stretch>
+            <a:fillRect/>
+          </a:stretch>
+        </p:blipFill>
+        <p:spPr>
+          <a:xfrm>
+            <a:off x="254726" y="82310"/>
+            <a:ext cx="11345091" cy="6467371"/>
+          </a:xfrm>
+          <a:prstGeom prst="rect">
+            <a:avLst/>
+          </a:prstGeom>
+        </p:spPr>
+      </p:pic>
+    </p:spTree>
+    <p:extLst>
+      <p:ext uri="{BB962C8B-B14F-4D97-AF65-F5344CB8AC3E}">
+        <p14:creationId xmlns:p14="http://schemas.microsoft.com/office/powerpoint/2010/main" val="49859706"/>
+      </p:ext>
+    </p:extLst>
+  </p:cSld>
+  <p:clrMapOvr>
+    <a:masterClrMapping/>
+  </p:clrMapOvr>
+  <p:timing>
+    <p:tnLst>
+      <p:par>
+        <p:cTn id="1" dur="indefinite" restart="never" nodeType="tmRoot"/>
+      </p:par>
+    </p:tnLst>
+  </p:timing>
+</p:sld>
+</file>
+
+<file path=ppt/slides/slide15.xml><?xml version="1.0" encoding="utf-8"?>
+<p:sld xmlns:a="http://schemas.openxmlformats.org/drawingml/2006/main" xmlns:r="http://schemas.openxmlformats.org/officeDocument/2006/relationships" xmlns:p="http://schemas.openxmlformats.org/presentationml/2006/main">
+  <p:cSld>
+    <p:spTree>
+      <p:nvGrpSpPr>
+        <p:cNvPr id="1" name=""/>
+        <p:cNvGrpSpPr/>
+        <p:nvPr/>
+      </p:nvGrpSpPr>
+      <p:grpSpPr>
+        <a:xfrm>
+          <a:off x="0" y="0"/>
+          <a:ext cx="0" cy="0"/>
+          <a:chOff x="0" y="0"/>
+          <a:chExt cx="0" cy="0"/>
+        </a:xfrm>
+      </p:grpSpPr>
+      <p:sp>
+        <p:nvSpPr>
+          <p:cNvPr id="2" name="Title 1"/>
+          <p:cNvSpPr>
+            <a:spLocks noGrp="1"/>
+          </p:cNvSpPr>
+          <p:nvPr>
+            <p:ph type="title"/>
+          </p:nvPr>
+        </p:nvSpPr>
+        <p:spPr/>
+        <p:txBody>
+          <a:bodyPr/>
+          <a:lstStyle/>
+          <a:p>
             <a:r>
               <a:rPr lang="en-US" sz="4400" dirty="0" smtClean="0">
                 <a:latin typeface="Times New Roman" panose="02020603050405020304" pitchFamily="18" charset="0"/>
@@ -8347,7 +8428,12 @@
             <p:ph idx="1"/>
           </p:nvPr>
         </p:nvSpPr>
-        <p:spPr/>
+        <p:spPr>
+          <a:xfrm>
+            <a:off x="2098766" y="2124891"/>
+            <a:ext cx="9405846" cy="3777622"/>
+          </a:xfrm>
+        </p:spPr>
         <p:txBody>
           <a:bodyPr>
             <a:normAutofit fontScale="92500"/>
@@ -8359,16 +8445,27 @@
                 <a:latin typeface="Times New Roman" panose="02020603050405020304" pitchFamily="18" charset="0"/>
                 <a:cs typeface="Times New Roman" panose="02020603050405020304" pitchFamily="18" charset="0"/>
               </a:rPr>
-              <a:t>The Yelp review text is downloaded.</a:t>
-            </a:r>
-          </a:p>
-          <a:p>
+              <a:t>The Yelp review </a:t>
+            </a:r>
             <a:r>
               <a:rPr lang="en-US" sz="3200" dirty="0" smtClean="0">
                 <a:latin typeface="Times New Roman" panose="02020603050405020304" pitchFamily="18" charset="0"/>
                 <a:cs typeface="Times New Roman" panose="02020603050405020304" pitchFamily="18" charset="0"/>
               </a:rPr>
-              <a:t>Sentiment Analysis for positive and negative prediction show good agreement with review rating.</a:t>
+              <a:t>scarping and analysis using Python package</a:t>
+            </a:r>
+            <a:endParaRPr lang="en-US" sz="3200" dirty="0" smtClean="0">
+              <a:latin typeface="Times New Roman" panose="02020603050405020304" pitchFamily="18" charset="0"/>
+              <a:cs typeface="Times New Roman" panose="02020603050405020304" pitchFamily="18" charset="0"/>
+            </a:endParaRPr>
+          </a:p>
+          <a:p>
+            <a:r>
+              <a:rPr lang="en-US" sz="3200" dirty="0" smtClean="0">
+                <a:latin typeface="Times New Roman" panose="02020603050405020304" pitchFamily="18" charset="0"/>
+                <a:cs typeface="Times New Roman" panose="02020603050405020304" pitchFamily="18" charset="0"/>
+              </a:rPr>
+              <a:t>Sentiment Analysis for positive and negative prediction show good agreement (90%) with review rating</a:t>
             </a:r>
           </a:p>
           <a:p>
@@ -8391,15 +8488,19 @@
                 <a:latin typeface="Times New Roman" panose="02020603050405020304" pitchFamily="18" charset="0"/>
                 <a:cs typeface="Times New Roman" panose="02020603050405020304" pitchFamily="18" charset="0"/>
               </a:rPr>
-              <a:t>upervised machine learning (Naive Bayes here) has a </a:t>
+              <a:t>upervised machine learning (Naive Bayes here) has a prediction accuracy is about 72% with 6000 </a:t>
             </a:r>
             <a:r>
               <a:rPr lang="en-US" sz="3200" dirty="0" smtClean="0">
                 <a:latin typeface="Times New Roman" panose="02020603050405020304" pitchFamily="18" charset="0"/>
                 <a:cs typeface="Times New Roman" panose="02020603050405020304" pitchFamily="18" charset="0"/>
               </a:rPr>
-              <a:t>prediction accuracy is about 72% with 6000 features</a:t>
-            </a:r>
+              <a:t>reviewers</a:t>
+            </a:r>
+            <a:endParaRPr lang="en-US" sz="3200" dirty="0" smtClean="0">
+              <a:latin typeface="Times New Roman" panose="02020603050405020304" pitchFamily="18" charset="0"/>
+              <a:cs typeface="Times New Roman" panose="02020603050405020304" pitchFamily="18" charset="0"/>
+            </a:endParaRPr>
           </a:p>
           <a:p>
             <a:r>
@@ -8407,7 +8508,7 @@
                 <a:latin typeface="Times New Roman" panose="02020603050405020304" pitchFamily="18" charset="0"/>
                 <a:cs typeface="Times New Roman" panose="02020603050405020304" pitchFamily="18" charset="0"/>
               </a:rPr>
-              <a:t>This is very preliminary study. Further improvements with bigram and other technics is planned.</a:t>
+              <a:t>Further improvements with bigram and other technics.</a:t>
             </a:r>
           </a:p>
           <a:p>
@@ -8462,41 +8563,33 @@
             <p:ph type="title"/>
           </p:nvPr>
         </p:nvSpPr>
-        <p:spPr/>
+        <p:spPr>
+          <a:xfrm>
+            <a:off x="1434685" y="0"/>
+            <a:ext cx="8911687" cy="1280890"/>
+          </a:xfrm>
+        </p:spPr>
         <p:txBody>
           <a:bodyPr/>
           <a:lstStyle/>
           <a:p>
-            <a:endParaRPr lang="en-US"/>
-          </a:p>
-        </p:txBody>
-      </p:sp>
-      <p:sp>
-        <p:nvSpPr>
-          <p:cNvPr id="3" name="Content Placeholder 2"/>
-          <p:cNvSpPr>
-            <a:spLocks noGrp="1"/>
-          </p:cNvSpPr>
-          <p:nvPr>
-            <p:ph idx="1"/>
-          </p:nvPr>
-        </p:nvSpPr>
-        <p:spPr/>
-        <p:txBody>
-          <a:bodyPr/>
-          <a:lstStyle/>
-          <a:p>
-            <a:endParaRPr lang="en-US"/>
+            <a:r>
+              <a:rPr lang="en-US" dirty="0" smtClean="0"/>
+              <a:t>example</a:t>
+            </a:r>
+            <a:endParaRPr lang="en-US" dirty="0"/>
           </a:p>
         </p:txBody>
       </p:sp>
       <p:pic>
         <p:nvPicPr>
-          <p:cNvPr id="5" name="Picture 4"/>
+          <p:cNvPr id="5" name="Content Placeholder 4"/>
           <p:cNvPicPr>
-            <a:picLocks noChangeAspect="1"/>
+            <a:picLocks noGrp="1" noChangeAspect="1"/>
           </p:cNvPicPr>
-          <p:nvPr/>
+          <p:nvPr>
+            <p:ph idx="1"/>
+          </p:nvPr>
         </p:nvPicPr>
         <p:blipFill>
           <a:blip r:embed="rId2"/>
@@ -8506,64 +8599,42 @@
         </p:blipFill>
         <p:spPr>
           <a:xfrm>
-            <a:off x="454812" y="-103277"/>
-            <a:ext cx="11421714" cy="6870551"/>
+            <a:off x="6740434" y="-162056"/>
+            <a:ext cx="5660619" cy="7020056"/>
           </a:xfrm>
           <a:prstGeom prst="rect">
             <a:avLst/>
           </a:prstGeom>
         </p:spPr>
       </p:pic>
-      <p:sp>
-        <p:nvSpPr>
-          <p:cNvPr id="6" name="TextBox 5"/>
-          <p:cNvSpPr txBox="1"/>
+      <p:pic>
+        <p:nvPicPr>
+          <p:cNvPr id="4" name="Picture 3"/>
+          <p:cNvPicPr>
+            <a:picLocks noChangeAspect="1"/>
+          </p:cNvPicPr>
           <p:nvPr/>
-        </p:nvSpPr>
+        </p:nvPicPr>
+        <p:blipFill>
+          <a:blip r:embed="rId3"/>
+          <a:stretch>
+            <a:fillRect/>
+          </a:stretch>
+        </p:blipFill>
         <p:spPr>
           <a:xfrm>
-            <a:off x="7323909" y="1889760"/>
-            <a:ext cx="4029891" cy="523220"/>
+            <a:off x="313510" y="1210491"/>
+            <a:ext cx="7251866" cy="5420103"/>
           </a:xfrm>
           <a:prstGeom prst="rect">
             <a:avLst/>
           </a:prstGeom>
-          <a:noFill/>
-        </p:spPr>
-        <p:txBody>
-          <a:bodyPr wrap="square" rtlCol="0">
-            <a:spAutoFit/>
-          </a:bodyPr>
-          <a:lstStyle/>
-          <a:p>
-            <a:r>
-              <a:rPr lang="en-US" sz="2800" b="1" dirty="0" smtClean="0">
-                <a:solidFill>
-                  <a:srgbClr val="0070C0"/>
-                </a:solidFill>
-              </a:rPr>
-              <a:t>Tool: </a:t>
-            </a:r>
-            <a:r>
-              <a:rPr lang="en-US" sz="2800" b="1" dirty="0" err="1" smtClean="0">
-                <a:solidFill>
-                  <a:srgbClr val="0070C0"/>
-                </a:solidFill>
-              </a:rPr>
-              <a:t>beautifulSuop</a:t>
-            </a:r>
-            <a:endParaRPr lang="en-US" sz="2800" b="1" dirty="0">
-              <a:solidFill>
-                <a:srgbClr val="0070C0"/>
-              </a:solidFill>
-            </a:endParaRPr>
-          </a:p>
-        </p:txBody>
-      </p:sp>
+        </p:spPr>
+      </p:pic>
     </p:spTree>
     <p:extLst>
       <p:ext uri="{BB962C8B-B14F-4D97-AF65-F5344CB8AC3E}">
-        <p14:creationId xmlns:p14="http://schemas.microsoft.com/office/powerpoint/2010/main" val="2148103034"/>
+        <p14:creationId xmlns:p14="http://schemas.microsoft.com/office/powerpoint/2010/main" val="4129956617"/>
       </p:ext>
     </p:extLst>
   </p:cSld>
@@ -8607,33 +8678,41 @@
             <p:ph type="title"/>
           </p:nvPr>
         </p:nvSpPr>
-        <p:spPr>
-          <a:xfrm>
-            <a:off x="1434685" y="0"/>
-            <a:ext cx="8911687" cy="1280890"/>
-          </a:xfrm>
-        </p:spPr>
+        <p:spPr/>
         <p:txBody>
           <a:bodyPr/>
           <a:lstStyle/>
           <a:p>
-            <a:r>
-              <a:rPr lang="en-US" dirty="0" smtClean="0"/>
-              <a:t>example</a:t>
-            </a:r>
-            <a:endParaRPr lang="en-US" dirty="0"/>
+            <a:endParaRPr lang="en-US"/>
+          </a:p>
+        </p:txBody>
+      </p:sp>
+      <p:sp>
+        <p:nvSpPr>
+          <p:cNvPr id="3" name="Content Placeholder 2"/>
+          <p:cNvSpPr>
+            <a:spLocks noGrp="1"/>
+          </p:cNvSpPr>
+          <p:nvPr>
+            <p:ph idx="1"/>
+          </p:nvPr>
+        </p:nvSpPr>
+        <p:spPr/>
+        <p:txBody>
+          <a:bodyPr/>
+          <a:lstStyle/>
+          <a:p>
+            <a:endParaRPr lang="en-US"/>
           </a:p>
         </p:txBody>
       </p:sp>
       <p:pic>
         <p:nvPicPr>
-          <p:cNvPr id="5" name="Content Placeholder 4"/>
+          <p:cNvPr id="5" name="Picture 4"/>
           <p:cNvPicPr>
-            <a:picLocks noGrp="1" noChangeAspect="1"/>
+            <a:picLocks noChangeAspect="1"/>
           </p:cNvPicPr>
-          <p:nvPr>
-            <p:ph idx="1"/>
-          </p:nvPr>
+          <p:nvPr/>
         </p:nvPicPr>
         <p:blipFill>
           <a:blip r:embed="rId2"/>
@@ -8643,32 +8722,8 @@
         </p:blipFill>
         <p:spPr>
           <a:xfrm>
-            <a:off x="6740434" y="-162056"/>
-            <a:ext cx="5660619" cy="7020056"/>
-          </a:xfrm>
-          <a:prstGeom prst="rect">
-            <a:avLst/>
-          </a:prstGeom>
-        </p:spPr>
-      </p:pic>
-      <p:pic>
-        <p:nvPicPr>
-          <p:cNvPr id="4" name="Picture 3"/>
-          <p:cNvPicPr>
-            <a:picLocks noChangeAspect="1"/>
-          </p:cNvPicPr>
-          <p:nvPr/>
-        </p:nvPicPr>
-        <p:blipFill>
-          <a:blip r:embed="rId3"/>
-          <a:stretch>
-            <a:fillRect/>
-          </a:stretch>
-        </p:blipFill>
-        <p:spPr>
-          <a:xfrm>
-            <a:off x="313510" y="1210491"/>
-            <a:ext cx="7251866" cy="5420103"/>
+            <a:off x="454812" y="-103277"/>
+            <a:ext cx="11421714" cy="6870551"/>
           </a:xfrm>
           <a:prstGeom prst="rect">
             <a:avLst/>
@@ -8678,7 +8733,7 @@
     </p:spTree>
     <p:extLst>
       <p:ext uri="{BB962C8B-B14F-4D97-AF65-F5344CB8AC3E}">
-        <p14:creationId xmlns:p14="http://schemas.microsoft.com/office/powerpoint/2010/main" val="4129956617"/>
+        <p14:creationId xmlns:p14="http://schemas.microsoft.com/office/powerpoint/2010/main" val="2148103034"/>
       </p:ext>
     </p:extLst>
   </p:cSld>
